--- a/notebooks/欧洲足球展示.pptx
+++ b/notebooks/欧洲足球展示.pptx
@@ -31,6 +31,7 @@
     <p:sldId id="265" r:id="rId25"/>
     <p:sldId id="266" r:id="rId26"/>
     <p:sldId id="282" r:id="rId27"/>
+    <p:sldId id="283" r:id="rId28"/>
   </p:sldIdLst>
   <p:sldSz cx="12192000" cy="6858000"/>
   <p:notesSz cx="6858000" cy="9144000"/>
@@ -3936,19 +3937,19 @@
       </p:sp>
       <p:pic>
         <p:nvPicPr>
-          <p:cNvPr id="6146" name="Picture 2">
+          <p:cNvPr id="4" name="图片 3">
             <a:extLst>
               <a:ext uri="{FF2B5EF4-FFF2-40B4-BE49-F238E27FC236}">
-                <a16:creationId xmlns:a16="http://schemas.microsoft.com/office/drawing/2014/main" id="{AB6985B2-4270-44D3-A763-E932681CED4C}"/>
+                <a16:creationId xmlns:a16="http://schemas.microsoft.com/office/drawing/2014/main" id="{802A592A-5761-42DC-9FD2-D1F100530A3B}"/>
               </a:ext>
             </a:extLst>
           </p:cNvPr>
           <p:cNvPicPr>
-            <a:picLocks noChangeAspect="1" noChangeArrowheads="1"/>
+            <a:picLocks noChangeAspect="1"/>
           </p:cNvPicPr>
           <p:nvPr/>
         </p:nvPicPr>
-        <p:blipFill rotWithShape="1">
+        <p:blipFill>
           <a:blip r:embed="rId3">
             <a:extLst>
               <a:ext uri="{28A0092B-C50C-407E-A947-70E740481C1C}">
@@ -3956,27 +3957,18 @@
               </a:ext>
             </a:extLst>
           </a:blip>
-          <a:srcRect l="4526" r="5392"/>
-          <a:stretch/>
+          <a:stretch>
+            <a:fillRect/>
+          </a:stretch>
         </p:blipFill>
-        <p:spPr bwMode="auto">
+        <p:spPr>
           <a:xfrm>
-            <a:off x="6096000" y="1134611"/>
-            <a:ext cx="5511567" cy="4588778"/>
+            <a:off x="5292434" y="1335183"/>
+            <a:ext cx="5851959" cy="4388969"/>
           </a:xfrm>
           <a:prstGeom prst="rect">
             <a:avLst/>
           </a:prstGeom>
-          <a:noFill/>
-          <a:extLst>
-            <a:ext uri="{909E8E84-426E-40DD-AFC4-6F175D3DCCD1}">
-              <a14:hiddenFill xmlns:a14="http://schemas.microsoft.com/office/drawing/2010/main">
-                <a:solidFill>
-                  <a:srgbClr val="FFFFFF"/>
-                </a:solidFill>
-              </a14:hiddenFill>
-            </a:ext>
-          </a:extLst>
         </p:spPr>
       </p:pic>
     </p:spTree>
@@ -4068,15 +4060,15 @@
       </p:sp>
       <p:pic>
         <p:nvPicPr>
-          <p:cNvPr id="7170" name="Picture 2">
+          <p:cNvPr id="4" name="图片 3">
             <a:extLst>
               <a:ext uri="{FF2B5EF4-FFF2-40B4-BE49-F238E27FC236}">
-                <a16:creationId xmlns:a16="http://schemas.microsoft.com/office/drawing/2014/main" id="{FB40CB84-84C7-44C6-9C9B-BFD065B96BA2}"/>
+                <a16:creationId xmlns:a16="http://schemas.microsoft.com/office/drawing/2014/main" id="{125F57E8-E30C-4D0A-8B1B-B4E80D00B1BC}"/>
               </a:ext>
             </a:extLst>
           </p:cNvPr>
           <p:cNvPicPr>
-            <a:picLocks noChangeAspect="1" noChangeArrowheads="1"/>
+            <a:picLocks noChangeAspect="1"/>
           </p:cNvPicPr>
           <p:nvPr/>
         </p:nvPicPr>
@@ -4088,76 +4080,48 @@
               </a:ext>
             </a:extLst>
           </a:blip>
-          <a:srcRect/>
           <a:stretch>
             <a:fillRect/>
           </a:stretch>
         </p:blipFill>
-        <p:spPr bwMode="auto">
+        <p:spPr>
           <a:xfrm>
-            <a:off x="721451" y="3051112"/>
-            <a:ext cx="4661483" cy="3496112"/>
+            <a:off x="90795" y="2468730"/>
+            <a:ext cx="5852358" cy="4389268"/>
           </a:xfrm>
           <a:prstGeom prst="rect">
             <a:avLst/>
           </a:prstGeom>
-          <a:noFill/>
-          <a:extLst>
-            <a:ext uri="{909E8E84-426E-40DD-AFC4-6F175D3DCCD1}">
-              <a14:hiddenFill xmlns:a14="http://schemas.microsoft.com/office/drawing/2010/main">
-                <a:solidFill>
-                  <a:srgbClr val="FFFFFF"/>
-                </a:solidFill>
-              </a14:hiddenFill>
-            </a:ext>
-          </a:extLst>
         </p:spPr>
       </p:pic>
       <p:pic>
         <p:nvPicPr>
-          <p:cNvPr id="7172" name="Picture 4">
+          <p:cNvPr id="6" name="图片 5">
             <a:extLst>
               <a:ext uri="{FF2B5EF4-FFF2-40B4-BE49-F238E27FC236}">
-                <a16:creationId xmlns:a16="http://schemas.microsoft.com/office/drawing/2014/main" id="{3E93EF79-A2CD-4B45-B5FF-A77C022E0942}"/>
+                <a16:creationId xmlns:a16="http://schemas.microsoft.com/office/drawing/2014/main" id="{C32FA4BF-B8B2-457F-AA66-385B49DAB379}"/>
               </a:ext>
             </a:extLst>
           </p:cNvPr>
           <p:cNvPicPr>
-            <a:picLocks noChangeAspect="1" noChangeArrowheads="1"/>
+            <a:picLocks noChangeAspect="1"/>
           </p:cNvPicPr>
           <p:nvPr/>
         </p:nvPicPr>
         <p:blipFill>
-          <a:blip r:embed="rId4">
-            <a:extLst>
-              <a:ext uri="{28A0092B-C50C-407E-A947-70E740481C1C}">
-                <a14:useLocalDpi xmlns:a14="http://schemas.microsoft.com/office/drawing/2010/main" val="0"/>
-              </a:ext>
-            </a:extLst>
-          </a:blip>
-          <a:srcRect/>
+          <a:blip r:embed="rId4"/>
           <a:stretch>
             <a:fillRect/>
           </a:stretch>
         </p:blipFill>
-        <p:spPr bwMode="auto">
+        <p:spPr>
           <a:xfrm>
-            <a:off x="6096000" y="3051111"/>
-            <a:ext cx="4661483" cy="3496113"/>
+            <a:off x="5912574" y="2468728"/>
+            <a:ext cx="5852359" cy="4389270"/>
           </a:xfrm>
           <a:prstGeom prst="rect">
             <a:avLst/>
           </a:prstGeom>
-          <a:noFill/>
-          <a:extLst>
-            <a:ext uri="{909E8E84-426E-40DD-AFC4-6F175D3DCCD1}">
-              <a14:hiddenFill xmlns:a14="http://schemas.microsoft.com/office/drawing/2010/main">
-                <a:solidFill>
-                  <a:srgbClr val="FFFFFF"/>
-                </a:solidFill>
-              </a14:hiddenFill>
-            </a:ext>
-          </a:extLst>
         </p:spPr>
       </p:pic>
     </p:spTree>
@@ -4246,49 +4210,32 @@
       </p:sp>
       <p:pic>
         <p:nvPicPr>
-          <p:cNvPr id="8194" name="Picture 2">
+          <p:cNvPr id="4" name="图片 3">
             <a:extLst>
               <a:ext uri="{FF2B5EF4-FFF2-40B4-BE49-F238E27FC236}">
-                <a16:creationId xmlns:a16="http://schemas.microsoft.com/office/drawing/2014/main" id="{41FF3A02-0787-43D9-AF7F-75BD026EAC07}"/>
+                <a16:creationId xmlns:a16="http://schemas.microsoft.com/office/drawing/2014/main" id="{CB4D501A-433F-475F-86B3-7DE10C1C973C}"/>
               </a:ext>
             </a:extLst>
           </p:cNvPr>
           <p:cNvPicPr>
-            <a:picLocks noChangeAspect="1" noChangeArrowheads="1"/>
+            <a:picLocks noChangeAspect="1"/>
           </p:cNvPicPr>
           <p:nvPr/>
         </p:nvPicPr>
         <p:blipFill>
-          <a:blip r:embed="rId3">
-            <a:extLst>
-              <a:ext uri="{28A0092B-C50C-407E-A947-70E740481C1C}">
-                <a14:useLocalDpi xmlns:a14="http://schemas.microsoft.com/office/drawing/2010/main" val="0"/>
-              </a:ext>
-            </a:extLst>
-          </a:blip>
-          <a:srcRect/>
+          <a:blip r:embed="rId3"/>
           <a:stretch>
             <a:fillRect/>
           </a:stretch>
         </p:blipFill>
-        <p:spPr bwMode="auto">
+        <p:spPr>
           <a:xfrm>
-            <a:off x="2636937" y="2080469"/>
-            <a:ext cx="5427678" cy="4070758"/>
+            <a:off x="3498208" y="1480656"/>
+            <a:ext cx="6864991" cy="5148743"/>
           </a:xfrm>
           <a:prstGeom prst="rect">
             <a:avLst/>
           </a:prstGeom>
-          <a:noFill/>
-          <a:extLst>
-            <a:ext uri="{909E8E84-426E-40DD-AFC4-6F175D3DCCD1}">
-              <a14:hiddenFill xmlns:a14="http://schemas.microsoft.com/office/drawing/2010/main">
-                <a:solidFill>
-                  <a:srgbClr val="FFFFFF"/>
-                </a:solidFill>
-              </a14:hiddenFill>
-            </a:ext>
-          </a:extLst>
         </p:spPr>
       </p:pic>
     </p:spTree>
@@ -4380,15 +4327,15 @@
       </p:sp>
       <p:pic>
         <p:nvPicPr>
-          <p:cNvPr id="9218" name="Picture 2">
+          <p:cNvPr id="4" name="图片 3">
             <a:extLst>
               <a:ext uri="{FF2B5EF4-FFF2-40B4-BE49-F238E27FC236}">
-                <a16:creationId xmlns:a16="http://schemas.microsoft.com/office/drawing/2014/main" id="{06F66D3F-0C8D-4479-95C9-43E0F09A4BEF}"/>
+                <a16:creationId xmlns:a16="http://schemas.microsoft.com/office/drawing/2014/main" id="{F79DFB29-B295-42EB-9EE4-70E3EB859CC6}"/>
               </a:ext>
             </a:extLst>
           </p:cNvPr>
           <p:cNvPicPr>
-            <a:picLocks noChangeAspect="1" noChangeArrowheads="1"/>
+            <a:picLocks noChangeAspect="1"/>
           </p:cNvPicPr>
           <p:nvPr/>
         </p:nvPicPr>
@@ -4400,29 +4347,18 @@
               </a:ext>
             </a:extLst>
           </a:blip>
-          <a:srcRect/>
           <a:stretch>
             <a:fillRect/>
           </a:stretch>
         </p:blipFill>
-        <p:spPr bwMode="auto">
+        <p:spPr>
           <a:xfrm>
-            <a:off x="5352176" y="2871132"/>
-            <a:ext cx="5315824" cy="3986868"/>
+            <a:off x="2842650" y="1930653"/>
+            <a:ext cx="5852358" cy="4389268"/>
           </a:xfrm>
           <a:prstGeom prst="rect">
             <a:avLst/>
           </a:prstGeom>
-          <a:noFill/>
-          <a:extLst>
-            <a:ext uri="{909E8E84-426E-40DD-AFC4-6F175D3DCCD1}">
-              <a14:hiddenFill xmlns:a14="http://schemas.microsoft.com/office/drawing/2010/main">
-                <a:solidFill>
-                  <a:srgbClr val="FFFFFF"/>
-                </a:solidFill>
-              </a14:hiddenFill>
-            </a:ext>
-          </a:extLst>
         </p:spPr>
       </p:pic>
     </p:spTree>
@@ -9820,6 +9756,164 @@
     <p:extLst>
       <p:ext uri="{BB962C8B-B14F-4D97-AF65-F5344CB8AC3E}">
         <p14:creationId xmlns:p14="http://schemas.microsoft.com/office/powerpoint/2010/main" val="499159335"/>
+      </p:ext>
+    </p:extLst>
+  </p:cSld>
+  <p:clrMapOvr>
+    <a:masterClrMapping/>
+  </p:clrMapOvr>
+</p:sld>
+</file>
+
+<file path=ppt/slides/slide27.xml><?xml version="1.0" encoding="utf-8"?>
+<p:sld xmlns:a="http://schemas.openxmlformats.org/drawingml/2006/main" xmlns:r="http://schemas.openxmlformats.org/officeDocument/2006/relationships" xmlns:p="http://schemas.openxmlformats.org/presentationml/2006/main">
+  <p:cSld>
+    <p:spTree>
+      <p:nvGrpSpPr>
+        <p:cNvPr id="1" name=""/>
+        <p:cNvGrpSpPr/>
+        <p:nvPr/>
+      </p:nvGrpSpPr>
+      <p:grpSpPr>
+        <a:xfrm>
+          <a:off x="0" y="0"/>
+          <a:ext cx="0" cy="0"/>
+          <a:chOff x="0" y="0"/>
+          <a:chExt cx="0" cy="0"/>
+        </a:xfrm>
+      </p:grpSpPr>
+      <p:pic>
+        <p:nvPicPr>
+          <p:cNvPr id="5" name="图片 4">
+            <a:extLst>
+              <a:ext uri="{FF2B5EF4-FFF2-40B4-BE49-F238E27FC236}">
+                <a16:creationId xmlns:a16="http://schemas.microsoft.com/office/drawing/2014/main" id="{D48ABAFF-735F-497A-A750-B2AEBAC512D8}"/>
+              </a:ext>
+            </a:extLst>
+          </p:cNvPr>
+          <p:cNvPicPr>
+            <a:picLocks noChangeAspect="1"/>
+          </p:cNvPicPr>
+          <p:nvPr/>
+        </p:nvPicPr>
+        <p:blipFill>
+          <a:blip r:embed="rId3">
+            <a:extLst>
+              <a:ext uri="{28A0092B-C50C-407E-A947-70E740481C1C}">
+                <a14:useLocalDpi xmlns:a14="http://schemas.microsoft.com/office/drawing/2010/main" val="0"/>
+              </a:ext>
+            </a:extLst>
+          </a:blip>
+          <a:stretch>
+            <a:fillRect/>
+          </a:stretch>
+        </p:blipFill>
+        <p:spPr>
+          <a:xfrm>
+            <a:off x="320686" y="3341721"/>
+            <a:ext cx="8497036" cy="3177815"/>
+          </a:xfrm>
+          <a:prstGeom prst="rect">
+            <a:avLst/>
+          </a:prstGeom>
+        </p:spPr>
+      </p:pic>
+      <p:sp>
+        <p:nvSpPr>
+          <p:cNvPr id="7" name="文本框 6">
+            <a:extLst>
+              <a:ext uri="{FF2B5EF4-FFF2-40B4-BE49-F238E27FC236}">
+                <a16:creationId xmlns:a16="http://schemas.microsoft.com/office/drawing/2014/main" id="{F194618E-D397-4494-8F41-2C3611E04BAC}"/>
+              </a:ext>
+            </a:extLst>
+          </p:cNvPr>
+          <p:cNvSpPr txBox="1"/>
+          <p:nvPr/>
+        </p:nvSpPr>
+        <p:spPr>
+          <a:xfrm>
+            <a:off x="320686" y="2913666"/>
+            <a:ext cx="6094602" cy="369332"/>
+          </a:xfrm>
+          <a:prstGeom prst="rect">
+            <a:avLst/>
+          </a:prstGeom>
+          <a:noFill/>
+        </p:spPr>
+        <p:txBody>
+          <a:bodyPr wrap="square">
+            <a:spAutoFit/>
+          </a:bodyPr>
+          <a:lstStyle/>
+          <a:p>
+            <a:r>
+              <a:rPr lang="zh-CN" altLang="en-US" dirty="0"/>
+              <a:t>代码供参考：</a:t>
+            </a:r>
+            <a:r>
+              <a:rPr lang="zh-CN" altLang="en-US" dirty="0">
+                <a:hlinkClick r:id="rId4"/>
+              </a:rPr>
+              <a:t>https://github.com/rucnyz/soccer</a:t>
+            </a:r>
+            <a:endParaRPr lang="zh-CN" altLang="en-US" dirty="0"/>
+          </a:p>
+        </p:txBody>
+      </p:sp>
+      <p:sp>
+        <p:nvSpPr>
+          <p:cNvPr id="8" name="矩形 7">
+            <a:extLst>
+              <a:ext uri="{FF2B5EF4-FFF2-40B4-BE49-F238E27FC236}">
+                <a16:creationId xmlns:a16="http://schemas.microsoft.com/office/drawing/2014/main" id="{6A247211-0410-4EBF-BCA3-64B11F06D0C3}"/>
+              </a:ext>
+            </a:extLst>
+          </p:cNvPr>
+          <p:cNvSpPr/>
+          <p:nvPr/>
+        </p:nvSpPr>
+        <p:spPr>
+          <a:xfrm>
+            <a:off x="4064033" y="1214036"/>
+            <a:ext cx="4063933" cy="1107996"/>
+          </a:xfrm>
+          <a:prstGeom prst="rect">
+            <a:avLst/>
+          </a:prstGeom>
+          <a:noFill/>
+        </p:spPr>
+        <p:txBody>
+          <a:bodyPr wrap="square" lIns="91440" tIns="45720" rIns="91440" bIns="45720">
+            <a:spAutoFit/>
+          </a:bodyPr>
+          <a:lstStyle/>
+          <a:p>
+            <a:pPr algn="ctr"/>
+            <a:r>
+              <a:rPr lang="zh-CN" altLang="en-US" sz="6600" dirty="0">
+                <a:ln w="0"/>
+                <a:effectLst>
+                  <a:outerShdw blurRad="38100" dist="19050" dir="2700000" algn="tl" rotWithShape="0">
+                    <a:schemeClr val="dk1">
+                      <a:alpha val="40000"/>
+                    </a:schemeClr>
+                  </a:outerShdw>
+                </a:effectLst>
+                <a:latin typeface="楷体" panose="02010609060101010101" pitchFamily="49" charset="-122"/>
+                <a:ea typeface="楷体" panose="02010609060101010101" pitchFamily="49" charset="-122"/>
+              </a:rPr>
+              <a:t>谢谢大家！</a:t>
+            </a:r>
+          </a:p>
+        </p:txBody>
+      </p:sp>
+    </p:spTree>
+    <p:custDataLst>
+      <p:tags r:id="rId1"/>
+    </p:custDataLst>
+    <p:extLst>
+      <p:ext uri="{BB962C8B-B14F-4D97-AF65-F5344CB8AC3E}">
+        <p14:creationId xmlns:p14="http://schemas.microsoft.com/office/powerpoint/2010/main" val="2956600042"/>
       </p:ext>
     </p:extLst>
   </p:cSld>
@@ -13210,7 +13304,7 @@
         </p:blipFill>
         <p:spPr bwMode="auto">
           <a:xfrm>
-            <a:off x="2146664" y="1566514"/>
+            <a:off x="4994275" y="1398734"/>
             <a:ext cx="6791325" cy="4714875"/>
           </a:xfrm>
           <a:prstGeom prst="rect">
@@ -13228,6 +13322,426 @@
           </a:extLst>
         </p:spPr>
       </p:pic>
+      <p:sp>
+        <p:nvSpPr>
+          <p:cNvPr id="8" name="文本框 7">
+            <a:extLst>
+              <a:ext uri="{FF2B5EF4-FFF2-40B4-BE49-F238E27FC236}">
+                <a16:creationId xmlns:a16="http://schemas.microsoft.com/office/drawing/2014/main" id="{A23CC55D-E1E8-449D-9151-EFF2814F46C4}"/>
+              </a:ext>
+            </a:extLst>
+          </p:cNvPr>
+          <p:cNvSpPr txBox="1"/>
+          <p:nvPr/>
+        </p:nvSpPr>
+        <p:spPr>
+          <a:xfrm>
+            <a:off x="406400" y="1511105"/>
+            <a:ext cx="4185761" cy="1754326"/>
+          </a:xfrm>
+          <a:prstGeom prst="rect">
+            <a:avLst/>
+          </a:prstGeom>
+          <a:noFill/>
+        </p:spPr>
+        <p:txBody>
+          <a:bodyPr wrap="square">
+            <a:spAutoFit/>
+          </a:bodyPr>
+          <a:lstStyle/>
+          <a:p>
+            <a:pPr>
+              <a:lnSpc>
+                <a:spcPct val="100000"/>
+              </a:lnSpc>
+              <a:spcBef>
+                <a:spcPts val="0"/>
+              </a:spcBef>
+              <a:spcAft>
+                <a:spcPts val="0"/>
+              </a:spcAft>
+            </a:pPr>
+            <a:r>
+              <a:rPr lang="zh-CN" altLang="en-US" sz="1800" dirty="0">
+                <a:solidFill>
+                  <a:srgbClr val="494949"/>
+                </a:solidFill>
+                <a:effectLst/>
+                <a:latin typeface="Microsoft YaHei" panose="020B0503020204020204" pitchFamily="34" charset="-122"/>
+                <a:ea typeface="Microsoft YaHei" panose="020B0503020204020204" pitchFamily="34" charset="-122"/>
+              </a:rPr>
+              <a:t>我们希望能够了解不同联赛球员的情况，也即得到不同联赛的水平和各项能力情况。然而联赛共有 </a:t>
+            </a:r>
+            <a:r>
+              <a:rPr lang="en-US" altLang="zh-CN" sz="1800" dirty="0">
+                <a:solidFill>
+                  <a:srgbClr val="494949"/>
+                </a:solidFill>
+                <a:effectLst/>
+                <a:latin typeface="Microsoft YaHei" panose="020B0503020204020204" pitchFamily="34" charset="-122"/>
+                <a:ea typeface="Microsoft YaHei" panose="020B0503020204020204" pitchFamily="34" charset="-122"/>
+              </a:rPr>
+              <a:t>11 </a:t>
+            </a:r>
+            <a:r>
+              <a:rPr lang="zh-CN" altLang="en-US" sz="1800" dirty="0">
+                <a:solidFill>
+                  <a:srgbClr val="494949"/>
+                </a:solidFill>
+                <a:effectLst/>
+                <a:latin typeface="Microsoft YaHei" panose="020B0503020204020204" pitchFamily="34" charset="-122"/>
+                <a:ea typeface="Microsoft YaHei" panose="020B0503020204020204" pitchFamily="34" charset="-122"/>
+              </a:rPr>
+              <a:t>个，我们因此根据 </a:t>
+            </a:r>
+            <a:r>
+              <a:rPr lang="en-US" altLang="zh-CN" sz="1800" dirty="0">
+                <a:solidFill>
+                  <a:srgbClr val="494949"/>
+                </a:solidFill>
+                <a:effectLst/>
+                <a:latin typeface="Microsoft YaHei" panose="020B0503020204020204" pitchFamily="34" charset="-122"/>
+                <a:ea typeface="Microsoft YaHei" panose="020B0503020204020204" pitchFamily="34" charset="-122"/>
+              </a:rPr>
+              <a:t>2008-2016 </a:t>
+            </a:r>
+            <a:r>
+              <a:rPr lang="zh-CN" altLang="en-US" sz="1800" dirty="0">
+                <a:solidFill>
+                  <a:srgbClr val="494949"/>
+                </a:solidFill>
+                <a:effectLst/>
+                <a:latin typeface="Microsoft YaHei" panose="020B0503020204020204" pitchFamily="34" charset="-122"/>
+                <a:ea typeface="Microsoft YaHei" panose="020B0503020204020204" pitchFamily="34" charset="-122"/>
+              </a:rPr>
+              <a:t>年进行的比赛场数对各联赛的规模进行了分析，结果如下图所示，红色圆圈越大代表该联赛规模越大。</a:t>
+            </a:r>
+            <a:endParaRPr lang="zh-CN" altLang="en-US" sz="1600" dirty="0">
+              <a:solidFill>
+                <a:srgbClr val="494949"/>
+              </a:solidFill>
+              <a:effectLst/>
+            </a:endParaRPr>
+          </a:p>
+        </p:txBody>
+      </p:sp>
+      <p:sp>
+        <p:nvSpPr>
+          <p:cNvPr id="10" name="文本框 9">
+            <a:extLst>
+              <a:ext uri="{FF2B5EF4-FFF2-40B4-BE49-F238E27FC236}">
+                <a16:creationId xmlns:a16="http://schemas.microsoft.com/office/drawing/2014/main" id="{D029698F-30BE-4870-BEFB-CA50E327F8DC}"/>
+              </a:ext>
+            </a:extLst>
+          </p:cNvPr>
+          <p:cNvSpPr txBox="1"/>
+          <p:nvPr/>
+        </p:nvSpPr>
+        <p:spPr>
+          <a:xfrm>
+            <a:off x="406400" y="3946831"/>
+            <a:ext cx="4185761" cy="1538883"/>
+          </a:xfrm>
+          <a:prstGeom prst="rect">
+            <a:avLst/>
+          </a:prstGeom>
+          <a:noFill/>
+        </p:spPr>
+        <p:txBody>
+          <a:bodyPr wrap="square">
+            <a:spAutoFit/>
+          </a:bodyPr>
+          <a:lstStyle/>
+          <a:p>
+            <a:pPr>
+              <a:lnSpc>
+                <a:spcPct val="100000"/>
+              </a:lnSpc>
+              <a:spcBef>
+                <a:spcPts val="0"/>
+              </a:spcBef>
+              <a:spcAft>
+                <a:spcPts val="0"/>
+              </a:spcAft>
+            </a:pPr>
+            <a:r>
+              <a:rPr lang="zh-CN" altLang="en-US" sz="1800" dirty="0">
+                <a:solidFill>
+                  <a:srgbClr val="494949"/>
+                </a:solidFill>
+                <a:effectLst/>
+                <a:latin typeface="Microsoft YaHei" panose="020B0503020204020204" pitchFamily="34" charset="-122"/>
+                <a:ea typeface="Microsoft YaHei" panose="020B0503020204020204" pitchFamily="34" charset="-122"/>
+              </a:rPr>
+              <a:t>我们依此将 </a:t>
+            </a:r>
+            <a:r>
+              <a:rPr lang="en-US" altLang="zh-CN" sz="1800" dirty="0">
+                <a:solidFill>
+                  <a:srgbClr val="494949"/>
+                </a:solidFill>
+                <a:effectLst/>
+                <a:latin typeface="Microsoft YaHei" panose="020B0503020204020204" pitchFamily="34" charset="-122"/>
+                <a:ea typeface="Microsoft YaHei" panose="020B0503020204020204" pitchFamily="34" charset="-122"/>
+              </a:rPr>
+              <a:t>11 </a:t>
+            </a:r>
+            <a:r>
+              <a:rPr lang="zh-CN" altLang="en-US" sz="1800" dirty="0">
+                <a:solidFill>
+                  <a:srgbClr val="494949"/>
+                </a:solidFill>
+                <a:effectLst/>
+                <a:latin typeface="Microsoft YaHei" panose="020B0503020204020204" pitchFamily="34" charset="-122"/>
+                <a:ea typeface="Microsoft YaHei" panose="020B0503020204020204" pitchFamily="34" charset="-122"/>
+              </a:rPr>
+              <a:t>家欧洲联赛分为两部分</a:t>
+            </a:r>
+            <a:endParaRPr lang="en-US" altLang="zh-CN" sz="1800" dirty="0">
+              <a:solidFill>
+                <a:srgbClr val="494949"/>
+              </a:solidFill>
+              <a:effectLst/>
+              <a:latin typeface="Microsoft YaHei" panose="020B0503020204020204" pitchFamily="34" charset="-122"/>
+              <a:ea typeface="Microsoft YaHei" panose="020B0503020204020204" pitchFamily="34" charset="-122"/>
+            </a:endParaRPr>
+          </a:p>
+          <a:p>
+            <a:endParaRPr lang="en-US" altLang="zh-CN" dirty="0"/>
+          </a:p>
+          <a:p>
+            <a:pPr marL="171450" indent="-171450">
+              <a:buFont typeface="Arial" panose="020B0604020202020204" pitchFamily="34" charset="0"/>
+              <a:buChar char="•"/>
+            </a:pPr>
+            <a:r>
+              <a:rPr lang="en-US" altLang="zh-CN" sz="1400" dirty="0">
+                <a:solidFill>
+                  <a:srgbClr val="494949"/>
+                </a:solidFill>
+                <a:latin typeface="Microsoft YaHei" panose="020B0503020204020204" pitchFamily="34" charset="-122"/>
+                <a:ea typeface="Microsoft YaHei" panose="020B0503020204020204" pitchFamily="34" charset="-122"/>
+              </a:rPr>
+              <a:t>Portugal</a:t>
+            </a:r>
+            <a:r>
+              <a:rPr lang="zh-CN" altLang="en-US" sz="1400" dirty="0">
+                <a:solidFill>
+                  <a:srgbClr val="494949"/>
+                </a:solidFill>
+                <a:latin typeface="Microsoft YaHei" panose="020B0503020204020204" pitchFamily="34" charset="-122"/>
+                <a:ea typeface="Microsoft YaHei" panose="020B0503020204020204" pitchFamily="34" charset="-122"/>
+              </a:rPr>
+              <a:t>、</a:t>
+            </a:r>
+            <a:r>
+              <a:rPr lang="en-US" altLang="zh-CN" sz="1400" dirty="0">
+                <a:solidFill>
+                  <a:srgbClr val="494949"/>
+                </a:solidFill>
+                <a:latin typeface="Microsoft YaHei" panose="020B0503020204020204" pitchFamily="34" charset="-122"/>
+                <a:ea typeface="Microsoft YaHei" panose="020B0503020204020204" pitchFamily="34" charset="-122"/>
+              </a:rPr>
+              <a:t>Spain</a:t>
+            </a:r>
+            <a:r>
+              <a:rPr lang="zh-CN" altLang="en-US" sz="1400" dirty="0">
+                <a:solidFill>
+                  <a:srgbClr val="494949"/>
+                </a:solidFill>
+                <a:latin typeface="Microsoft YaHei" panose="020B0503020204020204" pitchFamily="34" charset="-122"/>
+                <a:ea typeface="Microsoft YaHei" panose="020B0503020204020204" pitchFamily="34" charset="-122"/>
+              </a:rPr>
+              <a:t>、</a:t>
+            </a:r>
+            <a:r>
+              <a:rPr lang="en-US" altLang="zh-CN" sz="1400" dirty="0">
+                <a:solidFill>
+                  <a:srgbClr val="494949"/>
+                </a:solidFill>
+                <a:latin typeface="Microsoft YaHei" panose="020B0503020204020204" pitchFamily="34" charset="-122"/>
+                <a:ea typeface="Microsoft YaHei" panose="020B0503020204020204" pitchFamily="34" charset="-122"/>
+              </a:rPr>
+              <a:t>England</a:t>
+            </a:r>
+            <a:r>
+              <a:rPr lang="zh-CN" altLang="en-US" sz="1400" dirty="0">
+                <a:solidFill>
+                  <a:srgbClr val="494949"/>
+                </a:solidFill>
+                <a:latin typeface="Microsoft YaHei" panose="020B0503020204020204" pitchFamily="34" charset="-122"/>
+                <a:ea typeface="Microsoft YaHei" panose="020B0503020204020204" pitchFamily="34" charset="-122"/>
+              </a:rPr>
+              <a:t>、</a:t>
+            </a:r>
+            <a:r>
+              <a:rPr lang="en-US" altLang="zh-CN" sz="1400" dirty="0">
+                <a:solidFill>
+                  <a:srgbClr val="494949"/>
+                </a:solidFill>
+                <a:latin typeface="Microsoft YaHei" panose="020B0503020204020204" pitchFamily="34" charset="-122"/>
+                <a:ea typeface="Microsoft YaHei" panose="020B0503020204020204" pitchFamily="34" charset="-122"/>
+              </a:rPr>
+              <a:t>Germany</a:t>
+            </a:r>
+            <a:r>
+              <a:rPr lang="zh-CN" altLang="en-US" sz="1400" dirty="0">
+                <a:solidFill>
+                  <a:srgbClr val="494949"/>
+                </a:solidFill>
+                <a:latin typeface="Microsoft YaHei" panose="020B0503020204020204" pitchFamily="34" charset="-122"/>
+                <a:ea typeface="Microsoft YaHei" panose="020B0503020204020204" pitchFamily="34" charset="-122"/>
+              </a:rPr>
+              <a:t>、</a:t>
+            </a:r>
+            <a:r>
+              <a:rPr lang="en-US" altLang="zh-CN" sz="1400" dirty="0">
+                <a:solidFill>
+                  <a:srgbClr val="494949"/>
+                </a:solidFill>
+                <a:latin typeface="Microsoft YaHei" panose="020B0503020204020204" pitchFamily="34" charset="-122"/>
+                <a:ea typeface="Microsoft YaHei" panose="020B0503020204020204" pitchFamily="34" charset="-122"/>
+              </a:rPr>
+              <a:t>Italy</a:t>
+            </a:r>
+            <a:r>
+              <a:rPr lang="zh-CN" altLang="en-US" sz="1400" dirty="0">
+                <a:solidFill>
+                  <a:srgbClr val="494949"/>
+                </a:solidFill>
+                <a:latin typeface="Microsoft YaHei" panose="020B0503020204020204" pitchFamily="34" charset="-122"/>
+                <a:ea typeface="Microsoft YaHei" panose="020B0503020204020204" pitchFamily="34" charset="-122"/>
+              </a:rPr>
+              <a:t>、</a:t>
+            </a:r>
+            <a:r>
+              <a:rPr lang="en-US" altLang="zh-CN" sz="1400" dirty="0">
+                <a:solidFill>
+                  <a:srgbClr val="494949"/>
+                </a:solidFill>
+                <a:latin typeface="Microsoft YaHei" panose="020B0503020204020204" pitchFamily="34" charset="-122"/>
+                <a:ea typeface="Microsoft YaHei" panose="020B0503020204020204" pitchFamily="34" charset="-122"/>
+              </a:rPr>
+              <a:t>Netherlands</a:t>
+            </a:r>
+            <a:r>
+              <a:rPr lang="zh-CN" altLang="en-US" sz="1400" dirty="0">
+                <a:solidFill>
+                  <a:srgbClr val="494949"/>
+                </a:solidFill>
+                <a:latin typeface="Microsoft YaHei" panose="020B0503020204020204" pitchFamily="34" charset="-122"/>
+                <a:ea typeface="Microsoft YaHei" panose="020B0503020204020204" pitchFamily="34" charset="-122"/>
+              </a:rPr>
+              <a:t>、</a:t>
+            </a:r>
+            <a:r>
+              <a:rPr lang="en-US" altLang="zh-CN" sz="1400" dirty="0">
+                <a:solidFill>
+                  <a:srgbClr val="494949"/>
+                </a:solidFill>
+                <a:latin typeface="Microsoft YaHei" panose="020B0503020204020204" pitchFamily="34" charset="-122"/>
+                <a:ea typeface="Microsoft YaHei" panose="020B0503020204020204" pitchFamily="34" charset="-122"/>
+              </a:rPr>
+              <a:t>France</a:t>
+            </a:r>
+          </a:p>
+          <a:p>
+            <a:pPr marL="171450" indent="-171450">
+              <a:buFont typeface="Arial" panose="020B0604020202020204" pitchFamily="34" charset="0"/>
+              <a:buChar char="•"/>
+            </a:pPr>
+            <a:r>
+              <a:rPr lang="en-US" altLang="zh-CN" sz="1400" dirty="0">
+                <a:solidFill>
+                  <a:srgbClr val="494949"/>
+                </a:solidFill>
+                <a:latin typeface="Microsoft YaHei" panose="020B0503020204020204" pitchFamily="34" charset="-122"/>
+                <a:ea typeface="Microsoft YaHei" panose="020B0503020204020204" pitchFamily="34" charset="-122"/>
+              </a:rPr>
+              <a:t>Scotland</a:t>
+            </a:r>
+            <a:r>
+              <a:rPr lang="zh-CN" altLang="en-US" sz="1400" dirty="0">
+                <a:solidFill>
+                  <a:srgbClr val="494949"/>
+                </a:solidFill>
+                <a:latin typeface="Microsoft YaHei" panose="020B0503020204020204" pitchFamily="34" charset="-122"/>
+                <a:ea typeface="Microsoft YaHei" panose="020B0503020204020204" pitchFamily="34" charset="-122"/>
+              </a:rPr>
+              <a:t>、</a:t>
+            </a:r>
+            <a:r>
+              <a:rPr lang="en-US" altLang="zh-CN" sz="1400" dirty="0">
+                <a:solidFill>
+                  <a:srgbClr val="494949"/>
+                </a:solidFill>
+                <a:latin typeface="Microsoft YaHei" panose="020B0503020204020204" pitchFamily="34" charset="-122"/>
+                <a:ea typeface="Microsoft YaHei" panose="020B0503020204020204" pitchFamily="34" charset="-122"/>
+              </a:rPr>
+              <a:t>Belgium</a:t>
+            </a:r>
+            <a:r>
+              <a:rPr lang="zh-CN" altLang="en-US" sz="1400" dirty="0">
+                <a:solidFill>
+                  <a:srgbClr val="494949"/>
+                </a:solidFill>
+                <a:latin typeface="Microsoft YaHei" panose="020B0503020204020204" pitchFamily="34" charset="-122"/>
+                <a:ea typeface="Microsoft YaHei" panose="020B0503020204020204" pitchFamily="34" charset="-122"/>
+              </a:rPr>
+              <a:t>、</a:t>
+            </a:r>
+            <a:r>
+              <a:rPr lang="en-US" altLang="zh-CN" sz="1400" dirty="0">
+                <a:solidFill>
+                  <a:srgbClr val="494949"/>
+                </a:solidFill>
+                <a:latin typeface="Microsoft YaHei" panose="020B0503020204020204" pitchFamily="34" charset="-122"/>
+                <a:ea typeface="Microsoft YaHei" panose="020B0503020204020204" pitchFamily="34" charset="-122"/>
+              </a:rPr>
+              <a:t>Switzerland</a:t>
+            </a:r>
+            <a:r>
+              <a:rPr lang="zh-CN" altLang="en-US" sz="1400" dirty="0">
+                <a:solidFill>
+                  <a:srgbClr val="494949"/>
+                </a:solidFill>
+                <a:latin typeface="Microsoft YaHei" panose="020B0503020204020204" pitchFamily="34" charset="-122"/>
+                <a:ea typeface="Microsoft YaHei" panose="020B0503020204020204" pitchFamily="34" charset="-122"/>
+              </a:rPr>
+              <a:t>、</a:t>
+            </a:r>
+            <a:r>
+              <a:rPr lang="en-US" altLang="zh-CN" sz="1400" dirty="0">
+                <a:solidFill>
+                  <a:srgbClr val="494949"/>
+                </a:solidFill>
+                <a:latin typeface="Microsoft YaHei" panose="020B0503020204020204" pitchFamily="34" charset="-122"/>
+                <a:ea typeface="Microsoft YaHei" panose="020B0503020204020204" pitchFamily="34" charset="-122"/>
+              </a:rPr>
+              <a:t>Poland</a:t>
+            </a:r>
+          </a:p>
+          <a:p>
+            <a:pPr>
+              <a:lnSpc>
+                <a:spcPct val="100000"/>
+              </a:lnSpc>
+              <a:spcBef>
+                <a:spcPts val="0"/>
+              </a:spcBef>
+              <a:spcAft>
+                <a:spcPts val="0"/>
+              </a:spcAft>
+            </a:pPr>
+            <a:endParaRPr lang="zh-CN" altLang="en-US" sz="1600" dirty="0">
+              <a:solidFill>
+                <a:srgbClr val="494949"/>
+              </a:solidFill>
+              <a:effectLst/>
+            </a:endParaRPr>
+          </a:p>
+        </p:txBody>
+      </p:sp>
     </p:spTree>
     <p:custDataLst>
       <p:tags r:id="rId1"/>
@@ -13342,8 +13856,8 @@
         </p:blipFill>
         <p:spPr bwMode="auto">
           <a:xfrm>
-            <a:off x="0" y="2287258"/>
-            <a:ext cx="5572664" cy="3708100"/>
+            <a:off x="190151" y="1884586"/>
+            <a:ext cx="5905849" cy="3929804"/>
           </a:xfrm>
           <a:prstGeom prst="rect">
             <a:avLst/>
@@ -13387,8 +13901,8 @@
         </p:blipFill>
         <p:spPr bwMode="auto">
           <a:xfrm>
-            <a:off x="6096000" y="2289779"/>
-            <a:ext cx="5647426" cy="3705579"/>
+            <a:off x="6177095" y="1887257"/>
+            <a:ext cx="5985081" cy="3927133"/>
           </a:xfrm>
           <a:prstGeom prst="rect">
             <a:avLst/>
@@ -13405,6 +13919,197 @@
           </a:extLst>
         </p:spPr>
       </p:pic>
+      <p:sp>
+        <p:nvSpPr>
+          <p:cNvPr id="7" name="文本框 6">
+            <a:extLst>
+              <a:ext uri="{FF2B5EF4-FFF2-40B4-BE49-F238E27FC236}">
+                <a16:creationId xmlns:a16="http://schemas.microsoft.com/office/drawing/2014/main" id="{914E9E7C-D4C5-4619-8C61-EE1C80D84160}"/>
+              </a:ext>
+            </a:extLst>
+          </p:cNvPr>
+          <p:cNvSpPr txBox="1"/>
+          <p:nvPr/>
+        </p:nvSpPr>
+        <p:spPr>
+          <a:xfrm>
+            <a:off x="406400" y="1348344"/>
+            <a:ext cx="6094602" cy="369332"/>
+          </a:xfrm>
+          <a:prstGeom prst="rect">
+            <a:avLst/>
+          </a:prstGeom>
+          <a:noFill/>
+        </p:spPr>
+        <p:txBody>
+          <a:bodyPr wrap="square">
+            <a:spAutoFit/>
+          </a:bodyPr>
+          <a:lstStyle/>
+          <a:p>
+            <a:pPr>
+              <a:lnSpc>
+                <a:spcPct val="100000"/>
+              </a:lnSpc>
+              <a:spcBef>
+                <a:spcPts val="0"/>
+              </a:spcBef>
+              <a:spcAft>
+                <a:spcPts val="0"/>
+              </a:spcAft>
+            </a:pPr>
+            <a:r>
+              <a:rPr lang="zh-CN" altLang="en-US" sz="1800" dirty="0">
+                <a:solidFill>
+                  <a:srgbClr val="494949"/>
+                </a:solidFill>
+                <a:effectLst/>
+                <a:latin typeface="Microsoft YaHei" panose="020B0503020204020204" pitchFamily="34" charset="-122"/>
+                <a:ea typeface="Microsoft YaHei" panose="020B0503020204020204" pitchFamily="34" charset="-122"/>
+              </a:rPr>
+              <a:t>联赛平均评分如下两图所示</a:t>
+            </a:r>
+            <a:endParaRPr lang="zh-CN" altLang="en-US" sz="1600" dirty="0">
+              <a:solidFill>
+                <a:srgbClr val="494949"/>
+              </a:solidFill>
+              <a:effectLst/>
+            </a:endParaRPr>
+          </a:p>
+        </p:txBody>
+      </p:sp>
+      <p:sp>
+        <p:nvSpPr>
+          <p:cNvPr id="9" name="文本框 8">
+            <a:extLst>
+              <a:ext uri="{FF2B5EF4-FFF2-40B4-BE49-F238E27FC236}">
+                <a16:creationId xmlns:a16="http://schemas.microsoft.com/office/drawing/2014/main" id="{CCCEFF40-DEC3-4346-A20B-5CD9B024EDDE}"/>
+              </a:ext>
+            </a:extLst>
+          </p:cNvPr>
+          <p:cNvSpPr txBox="1"/>
+          <p:nvPr/>
+        </p:nvSpPr>
+        <p:spPr>
+          <a:xfrm>
+            <a:off x="190150" y="5818539"/>
+            <a:ext cx="11629937" cy="1169551"/>
+          </a:xfrm>
+          <a:prstGeom prst="rect">
+            <a:avLst/>
+          </a:prstGeom>
+          <a:noFill/>
+        </p:spPr>
+        <p:txBody>
+          <a:bodyPr wrap="square">
+            <a:spAutoFit/>
+          </a:bodyPr>
+          <a:lstStyle/>
+          <a:p>
+            <a:pPr marL="285750" indent="-285750">
+              <a:buFont typeface="Arial" panose="020B0604020202020204" pitchFamily="34" charset="0"/>
+              <a:buChar char="•"/>
+            </a:pPr>
+            <a:r>
+              <a:rPr lang="zh-CN" altLang="en-US" sz="1800" b="1" dirty="0">
+                <a:solidFill>
+                  <a:srgbClr val="494949"/>
+                </a:solidFill>
+                <a:effectLst/>
+                <a:latin typeface="Microsoft YaHei" panose="020B0503020204020204" pitchFamily="34" charset="-122"/>
+                <a:ea typeface="Microsoft YaHei" panose="020B0503020204020204" pitchFamily="34" charset="-122"/>
+              </a:rPr>
+              <a:t>不同联赛的球员水平存在明显的区别</a:t>
+            </a:r>
+            <a:endParaRPr lang="en-US" altLang="zh-CN" sz="1800" dirty="0">
+              <a:solidFill>
+                <a:srgbClr val="494949"/>
+              </a:solidFill>
+              <a:effectLst/>
+              <a:latin typeface="Microsoft YaHei" panose="020B0503020204020204" pitchFamily="34" charset="-122"/>
+              <a:ea typeface="Microsoft YaHei" panose="020B0503020204020204" pitchFamily="34" charset="-122"/>
+            </a:endParaRPr>
+          </a:p>
+          <a:p>
+            <a:pPr marL="285750" indent="-285750">
+              <a:lnSpc>
+                <a:spcPct val="100000"/>
+              </a:lnSpc>
+              <a:spcBef>
+                <a:spcPts val="0"/>
+              </a:spcBef>
+              <a:spcAft>
+                <a:spcPts val="0"/>
+              </a:spcAft>
+              <a:buFont typeface="Arial" panose="020B0604020202020204" pitchFamily="34" charset="0"/>
+              <a:buChar char="•"/>
+            </a:pPr>
+            <a:r>
+              <a:rPr lang="zh-CN" altLang="en-US" sz="1800" dirty="0">
+                <a:solidFill>
+                  <a:srgbClr val="494949"/>
+                </a:solidFill>
+                <a:effectLst/>
+                <a:latin typeface="Microsoft YaHei" panose="020B0503020204020204" pitchFamily="34" charset="-122"/>
+                <a:ea typeface="Microsoft YaHei" panose="020B0503020204020204" pitchFamily="34" charset="-122"/>
+              </a:rPr>
+              <a:t>荷兰甲级联赛的水平相比于其他联赛最低</a:t>
+            </a:r>
+            <a:endParaRPr lang="en-US" altLang="zh-CN" sz="1800" dirty="0">
+              <a:solidFill>
+                <a:srgbClr val="494949"/>
+              </a:solidFill>
+              <a:effectLst/>
+              <a:latin typeface="Microsoft YaHei" panose="020B0503020204020204" pitchFamily="34" charset="-122"/>
+              <a:ea typeface="Microsoft YaHei" panose="020B0503020204020204" pitchFamily="34" charset="-122"/>
+            </a:endParaRPr>
+          </a:p>
+          <a:p>
+            <a:pPr marL="285750" indent="-285750">
+              <a:buFont typeface="Arial" panose="020B0604020202020204" pitchFamily="34" charset="0"/>
+              <a:buChar char="•"/>
+            </a:pPr>
+            <a:r>
+              <a:rPr lang="zh-CN" altLang="en-US" sz="1800" dirty="0">
+                <a:solidFill>
+                  <a:srgbClr val="494949"/>
+                </a:solidFill>
+                <a:effectLst/>
+                <a:latin typeface="Microsoft YaHei" panose="020B0503020204020204" pitchFamily="34" charset="-122"/>
+                <a:ea typeface="Microsoft YaHei" panose="020B0503020204020204" pitchFamily="34" charset="-122"/>
+              </a:rPr>
+              <a:t>防守水平上各大联赛出现了较大差别，西甲和德甲的防守水平较低，法甲的防守水平最高</a:t>
+            </a:r>
+            <a:endParaRPr lang="zh-CN" altLang="en-US" sz="1800" dirty="0">
+              <a:solidFill>
+                <a:srgbClr val="494949"/>
+              </a:solidFill>
+              <a:effectLst/>
+            </a:endParaRPr>
+          </a:p>
+          <a:p>
+            <a:pPr marL="285750" indent="-285750">
+              <a:lnSpc>
+                <a:spcPct val="100000"/>
+              </a:lnSpc>
+              <a:spcBef>
+                <a:spcPts val="0"/>
+              </a:spcBef>
+              <a:spcAft>
+                <a:spcPts val="0"/>
+              </a:spcAft>
+              <a:buFont typeface="Arial" panose="020B0604020202020204" pitchFamily="34" charset="0"/>
+              <a:buChar char="•"/>
+            </a:pPr>
+            <a:endParaRPr lang="zh-CN" altLang="en-US" sz="1600" dirty="0">
+              <a:solidFill>
+                <a:srgbClr val="494949"/>
+              </a:solidFill>
+              <a:effectLst/>
+            </a:endParaRPr>
+          </a:p>
+        </p:txBody>
+      </p:sp>
     </p:spTree>
     <p:custDataLst>
       <p:tags r:id="rId1"/>
@@ -13517,7 +14222,7 @@
         </p:blipFill>
         <p:spPr bwMode="auto">
           <a:xfrm>
-            <a:off x="713064" y="2272237"/>
+            <a:off x="406400" y="1547179"/>
             <a:ext cx="4342630" cy="3256973"/>
           </a:xfrm>
           <a:prstGeom prst="rect">
@@ -13535,21 +14240,304 @@
           </a:extLst>
         </p:spPr>
       </p:pic>
+      <p:sp>
+        <p:nvSpPr>
+          <p:cNvPr id="8" name="文本框 7">
+            <a:extLst>
+              <a:ext uri="{FF2B5EF4-FFF2-40B4-BE49-F238E27FC236}">
+                <a16:creationId xmlns:a16="http://schemas.microsoft.com/office/drawing/2014/main" id="{3C9CB3B6-FBE3-40BF-9814-F55BD5AA026C}"/>
+              </a:ext>
+            </a:extLst>
+          </p:cNvPr>
+          <p:cNvSpPr txBox="1"/>
+          <p:nvPr/>
+        </p:nvSpPr>
+        <p:spPr>
+          <a:xfrm>
+            <a:off x="406400" y="4966877"/>
+            <a:ext cx="4495263" cy="923330"/>
+          </a:xfrm>
+          <a:prstGeom prst="rect">
+            <a:avLst/>
+          </a:prstGeom>
+          <a:noFill/>
+        </p:spPr>
+        <p:txBody>
+          <a:bodyPr wrap="square">
+            <a:spAutoFit/>
+          </a:bodyPr>
+          <a:lstStyle/>
+          <a:p>
+            <a:pPr>
+              <a:lnSpc>
+                <a:spcPct val="100000"/>
+              </a:lnSpc>
+              <a:spcBef>
+                <a:spcPts val="0"/>
+              </a:spcBef>
+              <a:spcAft>
+                <a:spcPts val="0"/>
+              </a:spcAft>
+            </a:pPr>
+            <a:r>
+              <a:rPr lang="zh-CN" altLang="en-US" sz="1800" dirty="0">
+                <a:solidFill>
+                  <a:srgbClr val="494949"/>
+                </a:solidFill>
+                <a:effectLst/>
+                <a:latin typeface="Microsoft YaHei" panose="020B0503020204020204" pitchFamily="34" charset="-122"/>
+                <a:ea typeface="Microsoft YaHei" panose="020B0503020204020204" pitchFamily="34" charset="-122"/>
+              </a:rPr>
+              <a:t>可以注意到 </a:t>
+            </a:r>
+            <a:r>
+              <a:rPr lang="en-US" altLang="zh-CN" sz="1800" dirty="0">
+                <a:solidFill>
+                  <a:srgbClr val="494949"/>
+                </a:solidFill>
+                <a:effectLst/>
+                <a:latin typeface="Microsoft YaHei" panose="020B0503020204020204" pitchFamily="34" charset="-122"/>
+                <a:ea typeface="Microsoft YaHei" panose="020B0503020204020204" pitchFamily="34" charset="-122"/>
+              </a:rPr>
+              <a:t>90 </a:t>
+            </a:r>
+            <a:r>
+              <a:rPr lang="zh-CN" altLang="en-US" sz="1800" dirty="0">
+                <a:solidFill>
+                  <a:srgbClr val="494949"/>
+                </a:solidFill>
+                <a:effectLst/>
+                <a:latin typeface="Microsoft YaHei" panose="020B0503020204020204" pitchFamily="34" charset="-122"/>
+                <a:ea typeface="Microsoft YaHei" panose="020B0503020204020204" pitchFamily="34" charset="-122"/>
+              </a:rPr>
+              <a:t>分以上球员数量极少，符合明星球员的定义。而 </a:t>
+            </a:r>
+            <a:r>
+              <a:rPr lang="en-US" altLang="zh-CN" sz="1800" dirty="0">
+                <a:solidFill>
+                  <a:srgbClr val="494949"/>
+                </a:solidFill>
+                <a:effectLst/>
+                <a:latin typeface="Microsoft YaHei" panose="020B0503020204020204" pitchFamily="34" charset="-122"/>
+                <a:ea typeface="Microsoft YaHei" panose="020B0503020204020204" pitchFamily="34" charset="-122"/>
+              </a:rPr>
+              <a:t>70 </a:t>
+            </a:r>
+            <a:r>
+              <a:rPr lang="zh-CN" altLang="en-US" sz="1800" dirty="0">
+                <a:solidFill>
+                  <a:srgbClr val="494949"/>
+                </a:solidFill>
+                <a:effectLst/>
+                <a:latin typeface="Microsoft YaHei" panose="020B0503020204020204" pitchFamily="34" charset="-122"/>
+                <a:ea typeface="Microsoft YaHei" panose="020B0503020204020204" pitchFamily="34" charset="-122"/>
+              </a:rPr>
+              <a:t>分以下大约占到 </a:t>
+            </a:r>
+            <a:r>
+              <a:rPr lang="en-US" altLang="zh-CN" sz="1800" dirty="0">
+                <a:solidFill>
+                  <a:srgbClr val="494949"/>
+                </a:solidFill>
+                <a:effectLst/>
+                <a:latin typeface="Microsoft YaHei" panose="020B0503020204020204" pitchFamily="34" charset="-122"/>
+                <a:ea typeface="Microsoft YaHei" panose="020B0503020204020204" pitchFamily="34" charset="-122"/>
+              </a:rPr>
+              <a:t>60%</a:t>
+            </a:r>
+            <a:r>
+              <a:rPr lang="zh-CN" altLang="en-US" sz="1800" dirty="0">
+                <a:solidFill>
+                  <a:srgbClr val="494949"/>
+                </a:solidFill>
+                <a:effectLst/>
+                <a:latin typeface="Microsoft YaHei" panose="020B0503020204020204" pitchFamily="34" charset="-122"/>
+                <a:ea typeface="Microsoft YaHei" panose="020B0503020204020204" pitchFamily="34" charset="-122"/>
+              </a:rPr>
+              <a:t>，应当是普通球员的水平。</a:t>
+            </a:r>
+            <a:endParaRPr lang="zh-CN" altLang="en-US" sz="1600" dirty="0">
+              <a:solidFill>
+                <a:srgbClr val="494949"/>
+              </a:solidFill>
+              <a:effectLst/>
+            </a:endParaRPr>
+          </a:p>
+        </p:txBody>
+      </p:sp>
+      <p:sp>
+        <p:nvSpPr>
+          <p:cNvPr id="10" name="文本框 9">
+            <a:extLst>
+              <a:ext uri="{FF2B5EF4-FFF2-40B4-BE49-F238E27FC236}">
+                <a16:creationId xmlns:a16="http://schemas.microsoft.com/office/drawing/2014/main" id="{474DCF7C-C016-48DF-8A87-AD2CCF35615B}"/>
+              </a:ext>
+            </a:extLst>
+          </p:cNvPr>
+          <p:cNvSpPr txBox="1"/>
+          <p:nvPr/>
+        </p:nvSpPr>
+        <p:spPr>
+          <a:xfrm>
+            <a:off x="5496887" y="915270"/>
+            <a:ext cx="6094602" cy="923330"/>
+          </a:xfrm>
+          <a:prstGeom prst="rect">
+            <a:avLst/>
+          </a:prstGeom>
+          <a:noFill/>
+        </p:spPr>
+        <p:txBody>
+          <a:bodyPr wrap="square">
+            <a:spAutoFit/>
+          </a:bodyPr>
+          <a:lstStyle/>
+          <a:p>
+            <a:pPr>
+              <a:lnSpc>
+                <a:spcPct val="100000"/>
+              </a:lnSpc>
+              <a:spcBef>
+                <a:spcPts val="0"/>
+              </a:spcBef>
+              <a:spcAft>
+                <a:spcPts val="0"/>
+              </a:spcAft>
+            </a:pPr>
+            <a:r>
+              <a:rPr lang="en-US" altLang="zh-CN" sz="1800" dirty="0">
+                <a:solidFill>
+                  <a:srgbClr val="494949"/>
+                </a:solidFill>
+                <a:effectLst/>
+                <a:latin typeface="Microsoft YaHei" panose="020B0503020204020204" pitchFamily="34" charset="-122"/>
+                <a:ea typeface="Microsoft YaHei" panose="020B0503020204020204" pitchFamily="34" charset="-122"/>
+              </a:rPr>
+              <a:t>90 </a:t>
+            </a:r>
+            <a:r>
+              <a:rPr lang="zh-CN" altLang="en-US" sz="1800" dirty="0">
+                <a:solidFill>
+                  <a:srgbClr val="494949"/>
+                </a:solidFill>
+                <a:effectLst/>
+                <a:latin typeface="Microsoft YaHei" panose="020B0503020204020204" pitchFamily="34" charset="-122"/>
+                <a:ea typeface="Microsoft YaHei" panose="020B0503020204020204" pitchFamily="34" charset="-122"/>
+              </a:rPr>
+              <a:t>分以上的球员共 </a:t>
+            </a:r>
+            <a:r>
+              <a:rPr lang="en-US" altLang="zh-CN" sz="1800" b="1" dirty="0">
+                <a:solidFill>
+                  <a:srgbClr val="494949"/>
+                </a:solidFill>
+                <a:effectLst/>
+                <a:latin typeface="Microsoft YaHei" panose="020B0503020204020204" pitchFamily="34" charset="-122"/>
+                <a:ea typeface="Microsoft YaHei" panose="020B0503020204020204" pitchFamily="34" charset="-122"/>
+              </a:rPr>
+              <a:t>24 </a:t>
+            </a:r>
+            <a:r>
+              <a:rPr lang="zh-CN" altLang="en-US" sz="1800" dirty="0">
+                <a:solidFill>
+                  <a:srgbClr val="494949"/>
+                </a:solidFill>
+                <a:effectLst/>
+                <a:latin typeface="Microsoft YaHei" panose="020B0503020204020204" pitchFamily="34" charset="-122"/>
+                <a:ea typeface="Microsoft YaHei" panose="020B0503020204020204" pitchFamily="34" charset="-122"/>
+              </a:rPr>
+              <a:t>位（其中包括 </a:t>
+            </a:r>
+            <a:r>
+              <a:rPr lang="en-US" altLang="zh-CN" sz="1800" dirty="0">
+                <a:solidFill>
+                  <a:srgbClr val="494949"/>
+                </a:solidFill>
+                <a:effectLst/>
+                <a:latin typeface="Microsoft YaHei" panose="020B0503020204020204" pitchFamily="34" charset="-122"/>
+                <a:ea typeface="Microsoft YaHei" panose="020B0503020204020204" pitchFamily="34" charset="-122"/>
+              </a:rPr>
+              <a:t>C </a:t>
+            </a:r>
+            <a:r>
+              <a:rPr lang="zh-CN" altLang="en-US" sz="1800" dirty="0">
+                <a:solidFill>
+                  <a:srgbClr val="494949"/>
+                </a:solidFill>
+                <a:effectLst/>
+                <a:latin typeface="Microsoft YaHei" panose="020B0503020204020204" pitchFamily="34" charset="-122"/>
+                <a:ea typeface="Microsoft YaHei" panose="020B0503020204020204" pitchFamily="34" charset="-122"/>
+              </a:rPr>
+              <a:t>罗、梅西、罗本、卡卡等在内的顶级球星），以及评分在 </a:t>
+            </a:r>
+            <a:r>
+              <a:rPr lang="en-US" altLang="zh-CN" sz="1800" dirty="0">
+                <a:solidFill>
+                  <a:srgbClr val="494949"/>
+                </a:solidFill>
+                <a:effectLst/>
+                <a:latin typeface="Microsoft YaHei" panose="020B0503020204020204" pitchFamily="34" charset="-122"/>
+                <a:ea typeface="Microsoft YaHei" panose="020B0503020204020204" pitchFamily="34" charset="-122"/>
+              </a:rPr>
+              <a:t>70 </a:t>
+            </a:r>
+            <a:r>
+              <a:rPr lang="zh-CN" altLang="en-US" sz="1800" dirty="0">
+                <a:solidFill>
+                  <a:srgbClr val="494949"/>
+                </a:solidFill>
+                <a:effectLst/>
+                <a:latin typeface="Microsoft YaHei" panose="020B0503020204020204" pitchFamily="34" charset="-122"/>
+                <a:ea typeface="Microsoft YaHei" panose="020B0503020204020204" pitchFamily="34" charset="-122"/>
+              </a:rPr>
+              <a:t>分以下的球员 </a:t>
+            </a:r>
+            <a:r>
+              <a:rPr lang="en-US" altLang="zh-CN" sz="1800" b="1" dirty="0">
+                <a:solidFill>
+                  <a:srgbClr val="494949"/>
+                </a:solidFill>
+                <a:effectLst/>
+                <a:latin typeface="Microsoft YaHei" panose="020B0503020204020204" pitchFamily="34" charset="-122"/>
+                <a:ea typeface="Microsoft YaHei" panose="020B0503020204020204" pitchFamily="34" charset="-122"/>
+              </a:rPr>
+              <a:t>9585 </a:t>
+            </a:r>
+            <a:r>
+              <a:rPr lang="zh-CN" altLang="en-US" sz="1800" dirty="0">
+                <a:solidFill>
+                  <a:srgbClr val="494949"/>
+                </a:solidFill>
+                <a:effectLst/>
+                <a:latin typeface="Microsoft YaHei" panose="020B0503020204020204" pitchFamily="34" charset="-122"/>
+                <a:ea typeface="Microsoft YaHei" panose="020B0503020204020204" pitchFamily="34" charset="-122"/>
+              </a:rPr>
+              <a:t>位</a:t>
+            </a:r>
+            <a:endParaRPr lang="zh-CN" altLang="en-US" sz="1600" dirty="0">
+              <a:solidFill>
+                <a:srgbClr val="494949"/>
+              </a:solidFill>
+              <a:effectLst/>
+            </a:endParaRPr>
+          </a:p>
+        </p:txBody>
+      </p:sp>
       <p:pic>
         <p:nvPicPr>
-          <p:cNvPr id="6" name="Picture 2">
+          <p:cNvPr id="7" name="图片 6">
             <a:extLst>
               <a:ext uri="{FF2B5EF4-FFF2-40B4-BE49-F238E27FC236}">
-                <a16:creationId xmlns:a16="http://schemas.microsoft.com/office/drawing/2014/main" id="{5019A3F5-3885-4D32-8594-7538778E2E35}"/>
+                <a16:creationId xmlns:a16="http://schemas.microsoft.com/office/drawing/2014/main" id="{6B155FBF-D838-4977-9E48-63449AB3B111}"/>
               </a:ext>
             </a:extLst>
           </p:cNvPr>
           <p:cNvPicPr>
-            <a:picLocks noChangeAspect="1" noChangeArrowheads="1"/>
+            <a:picLocks noChangeAspect="1"/>
           </p:cNvPicPr>
           <p:nvPr/>
         </p:nvPicPr>
-        <p:blipFill rotWithShape="1">
+        <p:blipFill>
           <a:blip r:embed="rId4">
             <a:extLst>
               <a:ext uri="{28A0092B-C50C-407E-A947-70E740481C1C}">
@@ -13557,27 +14545,18 @@
               </a:ext>
             </a:extLst>
           </a:blip>
-          <a:srcRect l="1927" r="7662"/>
-          <a:stretch/>
+          <a:stretch>
+            <a:fillRect/>
+          </a:stretch>
         </p:blipFill>
-        <p:spPr bwMode="auto">
+        <p:spPr>
           <a:xfrm>
-            <a:off x="6096000" y="822122"/>
-            <a:ext cx="5674298" cy="4707088"/>
+            <a:off x="5806389" y="1838600"/>
+            <a:ext cx="5852358" cy="4389268"/>
           </a:xfrm>
           <a:prstGeom prst="rect">
             <a:avLst/>
           </a:prstGeom>
-          <a:noFill/>
-          <a:extLst>
-            <a:ext uri="{909E8E84-426E-40DD-AFC4-6F175D3DCCD1}">
-              <a14:hiddenFill xmlns:a14="http://schemas.microsoft.com/office/drawing/2010/main">
-                <a:solidFill>
-                  <a:srgbClr val="FFFFFF"/>
-                </a:solidFill>
-              </a14:hiddenFill>
-            </a:ext>
-          </a:extLst>
         </p:spPr>
       </p:pic>
     </p:spTree>
@@ -15048,6 +16027,27 @@
 </p:tagLst>
 </file>
 
+<file path=ppt/tags/tag94.xml><?xml version="1.0" encoding="utf-8"?>
+<p:tagLst xmlns:a="http://schemas.openxmlformats.org/drawingml/2006/main" xmlns:r="http://schemas.openxmlformats.org/officeDocument/2006/relationships" xmlns:p="http://schemas.openxmlformats.org/presentationml/2006/main">
+  <p:tag name="KSO_WM_SLIDE_ID" val="custom20205176_1"/>
+  <p:tag name="KSO_WM_TEMPLATE_SUBCATEGORY" val="19"/>
+  <p:tag name="KSO_WM_TEMPLATE_MASTER_TYPE" val="0"/>
+  <p:tag name="KSO_WM_TEMPLATE_COLOR_TYPE" val="1"/>
+  <p:tag name="KSO_WM_SLIDE_TYPE" val="title"/>
+  <p:tag name="KSO_WM_SLIDE_SUBTYPE" val="defaultBlank"/>
+  <p:tag name="KSO_WM_SLIDE_ITEM_CNT" val="0"/>
+  <p:tag name="KSO_WM_SLIDE_INDEX" val="1"/>
+  <p:tag name="KSO_WM_TAG_VERSION" val="1.0"/>
+  <p:tag name="KSO_WM_BEAUTIFY_FLAG" val="#wm#"/>
+  <p:tag name="KSO_WM_TEMPLATE_CATEGORY" val="custom"/>
+  <p:tag name="KSO_WM_TEMPLATE_INDEX" val="20205176"/>
+  <p:tag name="KSO_WM_SLIDE_LAYOUT" val="a_b"/>
+  <p:tag name="KSO_WM_SLIDE_LAYOUT_CNT" val="1_1"/>
+  <p:tag name="KSO_WM_UNIT_SHOW_EDIT_AREA_INDICATION" val="1"/>
+  <p:tag name="KSO_WM_TEMPLATE_THUMBS_INDEX" val="1、4、7、12、13、14、15、16、17、18、20、24、25、28、33、36、40、43、44"/>
+</p:tagLst>
+</file>
+
 <file path=ppt/theme/theme1.xml><?xml version="1.0" encoding="utf-8"?>
 <a:theme xmlns:a="http://schemas.openxmlformats.org/drawingml/2006/main" name="Office 主题​​">
   <a:themeElements>

--- a/notebooks/欧洲足球展示.pptx
+++ b/notebooks/欧洲足球展示.pptx
@@ -235,7 +235,7 @@
           <a:p>
             <a:fld id="{28F28BF4-82FA-4FE5-B8C2-001C48995DFA}" type="datetimeFigureOut">
               <a:rPr lang="zh-CN" altLang="en-US" smtClean="0"/>
-              <a:t>2022/4/1</a:t>
+              <a:t>2022/4/4</a:t>
             </a:fld>
             <a:endParaRPr lang="zh-CN" altLang="en-US"/>
           </a:p>

--- a/notebooks/欧洲足球展示.pptx
+++ b/notebooks/欧洲足球展示.pptx
@@ -235,7 +235,7 @@
           <a:p>
             <a:fld id="{28F28BF4-82FA-4FE5-B8C2-001C48995DFA}" type="datetimeFigureOut">
               <a:rPr lang="zh-CN" altLang="en-US" smtClean="0"/>
-              <a:t>2022/4/4</a:t>
+              <a:t>2022/4/14</a:t>
             </a:fld>
             <a:endParaRPr lang="zh-CN" altLang="en-US"/>
           </a:p>
